--- a/Anomaly Detection Presentation.pptx
+++ b/Anomaly Detection Presentation.pptx
@@ -5,7 +5,7 @@
     <p:sldMasterId id="2147483659" r:id="rId1"/>
   </p:sldMasterIdLst>
   <p:notesMasterIdLst>
-    <p:notesMasterId r:id="rId17"/>
+    <p:notesMasterId r:id="rId23"/>
   </p:notesMasterIdLst>
   <p:sldIdLst>
     <p:sldId id="256" r:id="rId2"/>
@@ -22,38 +22,44 @@
     <p:sldId id="266" r:id="rId13"/>
     <p:sldId id="267" r:id="rId14"/>
     <p:sldId id="273" r:id="rId15"/>
-    <p:sldId id="268" r:id="rId16"/>
+    <p:sldId id="275" r:id="rId16"/>
+    <p:sldId id="276" r:id="rId17"/>
+    <p:sldId id="277" r:id="rId18"/>
+    <p:sldId id="278" r:id="rId19"/>
+    <p:sldId id="279" r:id="rId20"/>
+    <p:sldId id="281" r:id="rId21"/>
+    <p:sldId id="282" r:id="rId22"/>
   </p:sldIdLst>
   <p:sldSz cx="9144000" cy="5143500" type="screen16x9"/>
   <p:notesSz cx="6858000" cy="9144000"/>
   <p:embeddedFontLst>
     <p:embeddedFont>
       <p:font typeface="Georgia" panose="02040502050405020303" pitchFamily="18" charset="0"/>
-      <p:regular r:id="rId18"/>
-      <p:bold r:id="rId19"/>
-      <p:italic r:id="rId20"/>
-      <p:boldItalic r:id="rId21"/>
+      <p:regular r:id="rId24"/>
+      <p:bold r:id="rId25"/>
+      <p:italic r:id="rId26"/>
+      <p:boldItalic r:id="rId27"/>
     </p:embeddedFont>
     <p:embeddedFont>
       <p:font typeface="Raleway" pitchFamily="2" charset="0"/>
-      <p:regular r:id="rId22"/>
-      <p:bold r:id="rId23"/>
-      <p:italic r:id="rId24"/>
-      <p:boldItalic r:id="rId25"/>
+      <p:regular r:id="rId28"/>
+      <p:bold r:id="rId29"/>
+      <p:italic r:id="rId30"/>
+      <p:boldItalic r:id="rId31"/>
     </p:embeddedFont>
     <p:embeddedFont>
       <p:font typeface="Roboto" panose="02000000000000000000" pitchFamily="2" charset="0"/>
-      <p:regular r:id="rId26"/>
-      <p:bold r:id="rId27"/>
-      <p:italic r:id="rId28"/>
-      <p:boldItalic r:id="rId29"/>
+      <p:regular r:id="rId32"/>
+      <p:bold r:id="rId33"/>
+      <p:italic r:id="rId34"/>
+      <p:boldItalic r:id="rId35"/>
     </p:embeddedFont>
     <p:embeddedFont>
       <p:font typeface="Roboto Medium" panose="02000000000000000000" pitchFamily="2" charset="0"/>
-      <p:regular r:id="rId30"/>
-      <p:bold r:id="rId31"/>
-      <p:italic r:id="rId32"/>
-      <p:boldItalic r:id="rId33"/>
+      <p:regular r:id="rId36"/>
+      <p:bold r:id="rId37"/>
+      <p:italic r:id="rId38"/>
+      <p:boldItalic r:id="rId39"/>
     </p:embeddedFont>
   </p:embeddedFontLst>
   <p:defaultTextStyle>
@@ -1384,7 +1390,7 @@
   <p:cSld>
     <p:spTree>
       <p:nvGrpSpPr>
-        <p:cNvPr id="1" name="Shape 340"/>
+        <p:cNvPr id="1" name="Shape 334"/>
         <p:cNvGrpSpPr/>
         <p:nvPr/>
       </p:nvGrpSpPr>
@@ -1398,7 +1404,7 @@
       </p:grpSpPr>
       <p:sp>
         <p:nvSpPr>
-          <p:cNvPr id="341" name="Google Shape;341;g10ba8a66c0c_0_213:notes"/>
+          <p:cNvPr id="335" name="Google Shape;335;g10cc12ef79b_0_21:notes"/>
           <p:cNvSpPr>
             <a:spLocks noGrp="1" noRot="1" noChangeAspect="1"/>
           </p:cNvSpPr>
@@ -1408,7 +1414,7 @@
         </p:nvSpPr>
         <p:spPr>
           <a:xfrm>
-            <a:off x="381300" y="685800"/>
+            <a:off x="381000" y="685800"/>
             <a:ext cx="6096000" cy="3429000"/>
           </a:xfrm>
           <a:custGeom>
@@ -1439,7 +1445,7 @@
       </p:sp>
       <p:sp>
         <p:nvSpPr>
-          <p:cNvPr id="342" name="Google Shape;342;g10ba8a66c0c_0_213:notes"/>
+          <p:cNvPr id="336" name="Google Shape;336;g10cc12ef79b_0_21:notes"/>
           <p:cNvSpPr txBox="1">
             <a:spLocks noGrp="1"/>
           </p:cNvSpPr>
@@ -1476,6 +1482,447 @@
         </p:txBody>
       </p:sp>
     </p:spTree>
+    <p:extLst>
+      <p:ext uri="{BB962C8B-B14F-4D97-AF65-F5344CB8AC3E}">
+        <p14:creationId xmlns:p14="http://schemas.microsoft.com/office/powerpoint/2010/main" val="3803487852"/>
+      </p:ext>
+    </p:extLst>
+  </p:cSld>
+  <p:clrMapOvr>
+    <a:masterClrMapping/>
+  </p:clrMapOvr>
+</p:notes>
+</file>
+
+<file path=ppt/notesSlides/notesSlide16.xml><?xml version="1.0" encoding="utf-8"?>
+<p:notes xmlns:a="http://schemas.openxmlformats.org/drawingml/2006/main" xmlns:r="http://schemas.openxmlformats.org/officeDocument/2006/relationships" xmlns:p="http://schemas.openxmlformats.org/presentationml/2006/main" showMasterSp="0" showMasterPhAnim="0">
+  <p:cSld>
+    <p:spTree>
+      <p:nvGrpSpPr>
+        <p:cNvPr id="1" name="Shape 334"/>
+        <p:cNvGrpSpPr/>
+        <p:nvPr/>
+      </p:nvGrpSpPr>
+      <p:grpSpPr>
+        <a:xfrm>
+          <a:off x="0" y="0"/>
+          <a:ext cx="0" cy="0"/>
+          <a:chOff x="0" y="0"/>
+          <a:chExt cx="0" cy="0"/>
+        </a:xfrm>
+      </p:grpSpPr>
+      <p:sp>
+        <p:nvSpPr>
+          <p:cNvPr id="335" name="Google Shape;335;g10cc12ef79b_0_21:notes"/>
+          <p:cNvSpPr>
+            <a:spLocks noGrp="1" noRot="1" noChangeAspect="1"/>
+          </p:cNvSpPr>
+          <p:nvPr>
+            <p:ph type="sldImg" idx="2"/>
+          </p:nvPr>
+        </p:nvSpPr>
+        <p:spPr>
+          <a:xfrm>
+            <a:off x="381000" y="685800"/>
+            <a:ext cx="6096000" cy="3429000"/>
+          </a:xfrm>
+          <a:custGeom>
+            <a:avLst/>
+            <a:gdLst/>
+            <a:ahLst/>
+            <a:cxnLst/>
+            <a:rect l="l" t="t" r="r" b="b"/>
+            <a:pathLst>
+              <a:path w="120000" h="120000" extrusionOk="0">
+                <a:moveTo>
+                  <a:pt x="0" y="0"/>
+                </a:moveTo>
+                <a:lnTo>
+                  <a:pt x="120000" y="0"/>
+                </a:lnTo>
+                <a:lnTo>
+                  <a:pt x="120000" y="120000"/>
+                </a:lnTo>
+                <a:lnTo>
+                  <a:pt x="0" y="120000"/>
+                </a:lnTo>
+                <a:close/>
+              </a:path>
+            </a:pathLst>
+          </a:custGeom>
+        </p:spPr>
+      </p:sp>
+      <p:sp>
+        <p:nvSpPr>
+          <p:cNvPr id="336" name="Google Shape;336;g10cc12ef79b_0_21:notes"/>
+          <p:cNvSpPr txBox="1">
+            <a:spLocks noGrp="1"/>
+          </p:cNvSpPr>
+          <p:nvPr>
+            <p:ph type="body" idx="1"/>
+          </p:nvPr>
+        </p:nvSpPr>
+        <p:spPr>
+          <a:xfrm>
+            <a:off x="685800" y="4343400"/>
+            <a:ext cx="5486400" cy="4114800"/>
+          </a:xfrm>
+          <a:prstGeom prst="rect">
+            <a:avLst/>
+          </a:prstGeom>
+        </p:spPr>
+        <p:txBody>
+          <a:bodyPr spcFirstLastPara="1" wrap="square" lIns="91425" tIns="91425" rIns="91425" bIns="91425" anchor="t" anchorCtr="0">
+            <a:noAutofit/>
+          </a:bodyPr>
+          <a:lstStyle/>
+          <a:p>
+            <a:pPr marL="0" lvl="0" indent="0" algn="l" rtl="0">
+              <a:spcBef>
+                <a:spcPts val="0"/>
+              </a:spcBef>
+              <a:spcAft>
+                <a:spcPts val="0"/>
+              </a:spcAft>
+              <a:buNone/>
+            </a:pPr>
+            <a:endParaRPr/>
+          </a:p>
+        </p:txBody>
+      </p:sp>
+    </p:spTree>
+    <p:extLst>
+      <p:ext uri="{BB962C8B-B14F-4D97-AF65-F5344CB8AC3E}">
+        <p14:creationId xmlns:p14="http://schemas.microsoft.com/office/powerpoint/2010/main" val="1671561456"/>
+      </p:ext>
+    </p:extLst>
+  </p:cSld>
+  <p:clrMapOvr>
+    <a:masterClrMapping/>
+  </p:clrMapOvr>
+</p:notes>
+</file>
+
+<file path=ppt/notesSlides/notesSlide17.xml><?xml version="1.0" encoding="utf-8"?>
+<p:notes xmlns:a="http://schemas.openxmlformats.org/drawingml/2006/main" xmlns:r="http://schemas.openxmlformats.org/officeDocument/2006/relationships" xmlns:p="http://schemas.openxmlformats.org/presentationml/2006/main" showMasterSp="0" showMasterPhAnim="0">
+  <p:cSld>
+    <p:spTree>
+      <p:nvGrpSpPr>
+        <p:cNvPr id="1" name="Shape 334"/>
+        <p:cNvGrpSpPr/>
+        <p:nvPr/>
+      </p:nvGrpSpPr>
+      <p:grpSpPr>
+        <a:xfrm>
+          <a:off x="0" y="0"/>
+          <a:ext cx="0" cy="0"/>
+          <a:chOff x="0" y="0"/>
+          <a:chExt cx="0" cy="0"/>
+        </a:xfrm>
+      </p:grpSpPr>
+      <p:sp>
+        <p:nvSpPr>
+          <p:cNvPr id="335" name="Google Shape;335;g10cc12ef79b_0_21:notes"/>
+          <p:cNvSpPr>
+            <a:spLocks noGrp="1" noRot="1" noChangeAspect="1"/>
+          </p:cNvSpPr>
+          <p:nvPr>
+            <p:ph type="sldImg" idx="2"/>
+          </p:nvPr>
+        </p:nvSpPr>
+        <p:spPr>
+          <a:xfrm>
+            <a:off x="381000" y="685800"/>
+            <a:ext cx="6096000" cy="3429000"/>
+          </a:xfrm>
+          <a:custGeom>
+            <a:avLst/>
+            <a:gdLst/>
+            <a:ahLst/>
+            <a:cxnLst/>
+            <a:rect l="l" t="t" r="r" b="b"/>
+            <a:pathLst>
+              <a:path w="120000" h="120000" extrusionOk="0">
+                <a:moveTo>
+                  <a:pt x="0" y="0"/>
+                </a:moveTo>
+                <a:lnTo>
+                  <a:pt x="120000" y="0"/>
+                </a:lnTo>
+                <a:lnTo>
+                  <a:pt x="120000" y="120000"/>
+                </a:lnTo>
+                <a:lnTo>
+                  <a:pt x="0" y="120000"/>
+                </a:lnTo>
+                <a:close/>
+              </a:path>
+            </a:pathLst>
+          </a:custGeom>
+        </p:spPr>
+      </p:sp>
+      <p:sp>
+        <p:nvSpPr>
+          <p:cNvPr id="336" name="Google Shape;336;g10cc12ef79b_0_21:notes"/>
+          <p:cNvSpPr txBox="1">
+            <a:spLocks noGrp="1"/>
+          </p:cNvSpPr>
+          <p:nvPr>
+            <p:ph type="body" idx="1"/>
+          </p:nvPr>
+        </p:nvSpPr>
+        <p:spPr>
+          <a:xfrm>
+            <a:off x="685800" y="4343400"/>
+            <a:ext cx="5486400" cy="4114800"/>
+          </a:xfrm>
+          <a:prstGeom prst="rect">
+            <a:avLst/>
+          </a:prstGeom>
+        </p:spPr>
+        <p:txBody>
+          <a:bodyPr spcFirstLastPara="1" wrap="square" lIns="91425" tIns="91425" rIns="91425" bIns="91425" anchor="t" anchorCtr="0">
+            <a:noAutofit/>
+          </a:bodyPr>
+          <a:lstStyle/>
+          <a:p>
+            <a:pPr marL="0" lvl="0" indent="0" algn="l" rtl="0">
+              <a:spcBef>
+                <a:spcPts val="0"/>
+              </a:spcBef>
+              <a:spcAft>
+                <a:spcPts val="0"/>
+              </a:spcAft>
+              <a:buNone/>
+            </a:pPr>
+            <a:endParaRPr/>
+          </a:p>
+        </p:txBody>
+      </p:sp>
+    </p:spTree>
+    <p:extLst>
+      <p:ext uri="{BB962C8B-B14F-4D97-AF65-F5344CB8AC3E}">
+        <p14:creationId xmlns:p14="http://schemas.microsoft.com/office/powerpoint/2010/main" val="544840669"/>
+      </p:ext>
+    </p:extLst>
+  </p:cSld>
+  <p:clrMapOvr>
+    <a:masterClrMapping/>
+  </p:clrMapOvr>
+</p:notes>
+</file>
+
+<file path=ppt/notesSlides/notesSlide18.xml><?xml version="1.0" encoding="utf-8"?>
+<p:notes xmlns:a="http://schemas.openxmlformats.org/drawingml/2006/main" xmlns:r="http://schemas.openxmlformats.org/officeDocument/2006/relationships" xmlns:p="http://schemas.openxmlformats.org/presentationml/2006/main" showMasterSp="0" showMasterPhAnim="0">
+  <p:cSld>
+    <p:spTree>
+      <p:nvGrpSpPr>
+        <p:cNvPr id="1" name="Shape 334"/>
+        <p:cNvGrpSpPr/>
+        <p:nvPr/>
+      </p:nvGrpSpPr>
+      <p:grpSpPr>
+        <a:xfrm>
+          <a:off x="0" y="0"/>
+          <a:ext cx="0" cy="0"/>
+          <a:chOff x="0" y="0"/>
+          <a:chExt cx="0" cy="0"/>
+        </a:xfrm>
+      </p:grpSpPr>
+      <p:sp>
+        <p:nvSpPr>
+          <p:cNvPr id="335" name="Google Shape;335;g10cc12ef79b_0_21:notes"/>
+          <p:cNvSpPr>
+            <a:spLocks noGrp="1" noRot="1" noChangeAspect="1"/>
+          </p:cNvSpPr>
+          <p:nvPr>
+            <p:ph type="sldImg" idx="2"/>
+          </p:nvPr>
+        </p:nvSpPr>
+        <p:spPr>
+          <a:xfrm>
+            <a:off x="381000" y="685800"/>
+            <a:ext cx="6096000" cy="3429000"/>
+          </a:xfrm>
+          <a:custGeom>
+            <a:avLst/>
+            <a:gdLst/>
+            <a:ahLst/>
+            <a:cxnLst/>
+            <a:rect l="l" t="t" r="r" b="b"/>
+            <a:pathLst>
+              <a:path w="120000" h="120000" extrusionOk="0">
+                <a:moveTo>
+                  <a:pt x="0" y="0"/>
+                </a:moveTo>
+                <a:lnTo>
+                  <a:pt x="120000" y="0"/>
+                </a:lnTo>
+                <a:lnTo>
+                  <a:pt x="120000" y="120000"/>
+                </a:lnTo>
+                <a:lnTo>
+                  <a:pt x="0" y="120000"/>
+                </a:lnTo>
+                <a:close/>
+              </a:path>
+            </a:pathLst>
+          </a:custGeom>
+        </p:spPr>
+      </p:sp>
+      <p:sp>
+        <p:nvSpPr>
+          <p:cNvPr id="336" name="Google Shape;336;g10cc12ef79b_0_21:notes"/>
+          <p:cNvSpPr txBox="1">
+            <a:spLocks noGrp="1"/>
+          </p:cNvSpPr>
+          <p:nvPr>
+            <p:ph type="body" idx="1"/>
+          </p:nvPr>
+        </p:nvSpPr>
+        <p:spPr>
+          <a:xfrm>
+            <a:off x="685800" y="4343400"/>
+            <a:ext cx="5486400" cy="4114800"/>
+          </a:xfrm>
+          <a:prstGeom prst="rect">
+            <a:avLst/>
+          </a:prstGeom>
+        </p:spPr>
+        <p:txBody>
+          <a:bodyPr spcFirstLastPara="1" wrap="square" lIns="91425" tIns="91425" rIns="91425" bIns="91425" anchor="t" anchorCtr="0">
+            <a:noAutofit/>
+          </a:bodyPr>
+          <a:lstStyle/>
+          <a:p>
+            <a:pPr marL="0" lvl="0" indent="0" algn="l" rtl="0">
+              <a:spcBef>
+                <a:spcPts val="0"/>
+              </a:spcBef>
+              <a:spcAft>
+                <a:spcPts val="0"/>
+              </a:spcAft>
+              <a:buNone/>
+            </a:pPr>
+            <a:endParaRPr/>
+          </a:p>
+        </p:txBody>
+      </p:sp>
+    </p:spTree>
+    <p:extLst>
+      <p:ext uri="{BB962C8B-B14F-4D97-AF65-F5344CB8AC3E}">
+        <p14:creationId xmlns:p14="http://schemas.microsoft.com/office/powerpoint/2010/main" val="3159030475"/>
+      </p:ext>
+    </p:extLst>
+  </p:cSld>
+  <p:clrMapOvr>
+    <a:masterClrMapping/>
+  </p:clrMapOvr>
+</p:notes>
+</file>
+
+<file path=ppt/notesSlides/notesSlide19.xml><?xml version="1.0" encoding="utf-8"?>
+<p:notes xmlns:a="http://schemas.openxmlformats.org/drawingml/2006/main" xmlns:r="http://schemas.openxmlformats.org/officeDocument/2006/relationships" xmlns:p="http://schemas.openxmlformats.org/presentationml/2006/main" showMasterSp="0" showMasterPhAnim="0">
+  <p:cSld>
+    <p:spTree>
+      <p:nvGrpSpPr>
+        <p:cNvPr id="1" name="Shape 334"/>
+        <p:cNvGrpSpPr/>
+        <p:nvPr/>
+      </p:nvGrpSpPr>
+      <p:grpSpPr>
+        <a:xfrm>
+          <a:off x="0" y="0"/>
+          <a:ext cx="0" cy="0"/>
+          <a:chOff x="0" y="0"/>
+          <a:chExt cx="0" cy="0"/>
+        </a:xfrm>
+      </p:grpSpPr>
+      <p:sp>
+        <p:nvSpPr>
+          <p:cNvPr id="335" name="Google Shape;335;g10cc12ef79b_0_21:notes"/>
+          <p:cNvSpPr>
+            <a:spLocks noGrp="1" noRot="1" noChangeAspect="1"/>
+          </p:cNvSpPr>
+          <p:nvPr>
+            <p:ph type="sldImg" idx="2"/>
+          </p:nvPr>
+        </p:nvSpPr>
+        <p:spPr>
+          <a:xfrm>
+            <a:off x="381000" y="685800"/>
+            <a:ext cx="6096000" cy="3429000"/>
+          </a:xfrm>
+          <a:custGeom>
+            <a:avLst/>
+            <a:gdLst/>
+            <a:ahLst/>
+            <a:cxnLst/>
+            <a:rect l="l" t="t" r="r" b="b"/>
+            <a:pathLst>
+              <a:path w="120000" h="120000" extrusionOk="0">
+                <a:moveTo>
+                  <a:pt x="0" y="0"/>
+                </a:moveTo>
+                <a:lnTo>
+                  <a:pt x="120000" y="0"/>
+                </a:lnTo>
+                <a:lnTo>
+                  <a:pt x="120000" y="120000"/>
+                </a:lnTo>
+                <a:lnTo>
+                  <a:pt x="0" y="120000"/>
+                </a:lnTo>
+                <a:close/>
+              </a:path>
+            </a:pathLst>
+          </a:custGeom>
+        </p:spPr>
+      </p:sp>
+      <p:sp>
+        <p:nvSpPr>
+          <p:cNvPr id="336" name="Google Shape;336;g10cc12ef79b_0_21:notes"/>
+          <p:cNvSpPr txBox="1">
+            <a:spLocks noGrp="1"/>
+          </p:cNvSpPr>
+          <p:nvPr>
+            <p:ph type="body" idx="1"/>
+          </p:nvPr>
+        </p:nvSpPr>
+        <p:spPr>
+          <a:xfrm>
+            <a:off x="685800" y="4343400"/>
+            <a:ext cx="5486400" cy="4114800"/>
+          </a:xfrm>
+          <a:prstGeom prst="rect">
+            <a:avLst/>
+          </a:prstGeom>
+        </p:spPr>
+        <p:txBody>
+          <a:bodyPr spcFirstLastPara="1" wrap="square" lIns="91425" tIns="91425" rIns="91425" bIns="91425" anchor="t" anchorCtr="0">
+            <a:noAutofit/>
+          </a:bodyPr>
+          <a:lstStyle/>
+          <a:p>
+            <a:pPr marL="0" lvl="0" indent="0" algn="l" rtl="0">
+              <a:spcBef>
+                <a:spcPts val="0"/>
+              </a:spcBef>
+              <a:spcAft>
+                <a:spcPts val="0"/>
+              </a:spcAft>
+              <a:buNone/>
+            </a:pPr>
+            <a:endParaRPr/>
+          </a:p>
+        </p:txBody>
+      </p:sp>
+    </p:spTree>
+    <p:extLst>
+      <p:ext uri="{BB962C8B-B14F-4D97-AF65-F5344CB8AC3E}">
+        <p14:creationId xmlns:p14="http://schemas.microsoft.com/office/powerpoint/2010/main" val="1524173321"/>
+      </p:ext>
+    </p:extLst>
   </p:cSld>
   <p:clrMapOvr>
     <a:masterClrMapping/>
@@ -1580,6 +2027,115 @@
         </p:txBody>
       </p:sp>
     </p:spTree>
+  </p:cSld>
+  <p:clrMapOvr>
+    <a:masterClrMapping/>
+  </p:clrMapOvr>
+</p:notes>
+</file>
+
+<file path=ppt/notesSlides/notesSlide20.xml><?xml version="1.0" encoding="utf-8"?>
+<p:notes xmlns:a="http://schemas.openxmlformats.org/drawingml/2006/main" xmlns:r="http://schemas.openxmlformats.org/officeDocument/2006/relationships" xmlns:p="http://schemas.openxmlformats.org/presentationml/2006/main" showMasterSp="0" showMasterPhAnim="0">
+  <p:cSld>
+    <p:spTree>
+      <p:nvGrpSpPr>
+        <p:cNvPr id="1" name="Shape 334"/>
+        <p:cNvGrpSpPr/>
+        <p:nvPr/>
+      </p:nvGrpSpPr>
+      <p:grpSpPr>
+        <a:xfrm>
+          <a:off x="0" y="0"/>
+          <a:ext cx="0" cy="0"/>
+          <a:chOff x="0" y="0"/>
+          <a:chExt cx="0" cy="0"/>
+        </a:xfrm>
+      </p:grpSpPr>
+      <p:sp>
+        <p:nvSpPr>
+          <p:cNvPr id="335" name="Google Shape;335;g10cc12ef79b_0_21:notes"/>
+          <p:cNvSpPr>
+            <a:spLocks noGrp="1" noRot="1" noChangeAspect="1"/>
+          </p:cNvSpPr>
+          <p:nvPr>
+            <p:ph type="sldImg" idx="2"/>
+          </p:nvPr>
+        </p:nvSpPr>
+        <p:spPr>
+          <a:xfrm>
+            <a:off x="381000" y="685800"/>
+            <a:ext cx="6096000" cy="3429000"/>
+          </a:xfrm>
+          <a:custGeom>
+            <a:avLst/>
+            <a:gdLst/>
+            <a:ahLst/>
+            <a:cxnLst/>
+            <a:rect l="l" t="t" r="r" b="b"/>
+            <a:pathLst>
+              <a:path w="120000" h="120000" extrusionOk="0">
+                <a:moveTo>
+                  <a:pt x="0" y="0"/>
+                </a:moveTo>
+                <a:lnTo>
+                  <a:pt x="120000" y="0"/>
+                </a:lnTo>
+                <a:lnTo>
+                  <a:pt x="120000" y="120000"/>
+                </a:lnTo>
+                <a:lnTo>
+                  <a:pt x="0" y="120000"/>
+                </a:lnTo>
+                <a:close/>
+              </a:path>
+            </a:pathLst>
+          </a:custGeom>
+        </p:spPr>
+      </p:sp>
+      <p:sp>
+        <p:nvSpPr>
+          <p:cNvPr id="336" name="Google Shape;336;g10cc12ef79b_0_21:notes"/>
+          <p:cNvSpPr txBox="1">
+            <a:spLocks noGrp="1"/>
+          </p:cNvSpPr>
+          <p:nvPr>
+            <p:ph type="body" idx="1"/>
+          </p:nvPr>
+        </p:nvSpPr>
+        <p:spPr>
+          <a:xfrm>
+            <a:off x="685800" y="4343400"/>
+            <a:ext cx="5486400" cy="4114800"/>
+          </a:xfrm>
+          <a:prstGeom prst="rect">
+            <a:avLst/>
+          </a:prstGeom>
+        </p:spPr>
+        <p:txBody>
+          <a:bodyPr spcFirstLastPara="1" wrap="square" lIns="91425" tIns="91425" rIns="91425" bIns="91425" anchor="t" anchorCtr="0">
+            <a:noAutofit/>
+          </a:bodyPr>
+          <a:lstStyle/>
+          <a:p>
+            <a:pPr marL="0" lvl="0" indent="0" algn="l" rtl="0">
+              <a:spcBef>
+                <a:spcPts val="0"/>
+              </a:spcBef>
+              <a:spcAft>
+                <a:spcPts val="0"/>
+              </a:spcAft>
+              <a:buNone/>
+            </a:pPr>
+            <a:endParaRPr/>
+          </a:p>
+        </p:txBody>
+      </p:sp>
+    </p:spTree>
+    <p:extLst>
+      <p:ext uri="{BB962C8B-B14F-4D97-AF65-F5344CB8AC3E}">
+        <p14:creationId xmlns:p14="http://schemas.microsoft.com/office/powerpoint/2010/main" val="3592963746"/>
+      </p:ext>
+    </p:extLst>
   </p:cSld>
   <p:clrMapOvr>
     <a:masterClrMapping/>
@@ -9639,7 +10195,7 @@
         </p:nvSpPr>
         <p:spPr>
           <a:xfrm>
-            <a:off x="0" y="92875"/>
+            <a:off x="361507" y="51901"/>
             <a:ext cx="5245800" cy="723300"/>
           </a:xfrm>
           <a:prstGeom prst="rect">
@@ -9666,7 +10222,7 @@
               <a:buNone/>
             </a:pPr>
             <a:r>
-              <a:rPr lang="en" sz="3500">
+              <a:rPr lang="en" sz="3500" dirty="0">
                 <a:solidFill>
                   <a:schemeClr val="lt1"/>
                 </a:solidFill>
@@ -9675,9 +10231,9 @@
                 <a:cs typeface="Georgia"/>
                 <a:sym typeface="Georgia"/>
               </a:rPr>
-              <a:t>Use Cases</a:t>
+              <a:t>Use Cases – Mot IOT Kit</a:t>
             </a:r>
-            <a:endParaRPr sz="3500">
+            <a:endParaRPr sz="3500" dirty="0">
               <a:solidFill>
                 <a:schemeClr val="lt1"/>
               </a:solidFill>
@@ -9686,6 +10242,139 @@
               <a:cs typeface="Georgia"/>
               <a:sym typeface="Georgia"/>
             </a:endParaRPr>
+          </a:p>
+        </p:txBody>
+      </p:sp>
+      <p:pic>
+        <p:nvPicPr>
+          <p:cNvPr id="3" name="Picture 2">
+            <a:extLst>
+              <a:ext uri="{FF2B5EF4-FFF2-40B4-BE49-F238E27FC236}">
+                <a16:creationId xmlns:a16="http://schemas.microsoft.com/office/drawing/2014/main" id="{2AFFDBBC-1966-43E7-9532-C6F4E96685B7}"/>
+              </a:ext>
+            </a:extLst>
+          </p:cNvPr>
+          <p:cNvPicPr>
+            <a:picLocks noChangeAspect="1"/>
+          </p:cNvPicPr>
+          <p:nvPr/>
+        </p:nvPicPr>
+        <p:blipFill>
+          <a:blip r:embed="rId3"/>
+          <a:stretch>
+            <a:fillRect/>
+          </a:stretch>
+        </p:blipFill>
+        <p:spPr>
+          <a:xfrm>
+            <a:off x="5688419" y="1119312"/>
+            <a:ext cx="2610340" cy="3782297"/>
+          </a:xfrm>
+          <a:prstGeom prst="rect">
+            <a:avLst/>
+          </a:prstGeom>
+        </p:spPr>
+      </p:pic>
+      <p:sp>
+        <p:nvSpPr>
+          <p:cNvPr id="5" name="TextBox 4">
+            <a:extLst>
+              <a:ext uri="{FF2B5EF4-FFF2-40B4-BE49-F238E27FC236}">
+                <a16:creationId xmlns:a16="http://schemas.microsoft.com/office/drawing/2014/main" id="{BCC612FB-41D5-4757-83CE-7D17A6590E69}"/>
+              </a:ext>
+            </a:extLst>
+          </p:cNvPr>
+          <p:cNvSpPr txBox="1"/>
+          <p:nvPr/>
+        </p:nvSpPr>
+        <p:spPr>
+          <a:xfrm>
+            <a:off x="980169" y="2030819"/>
+            <a:ext cx="3327991" cy="2954655"/>
+          </a:xfrm>
+          <a:prstGeom prst="rect">
+            <a:avLst/>
+          </a:prstGeom>
+          <a:noFill/>
+        </p:spPr>
+        <p:txBody>
+          <a:bodyPr wrap="square" rtlCol="0">
+            <a:spAutoFit/>
+          </a:bodyPr>
+          <a:lstStyle/>
+          <a:p>
+            <a:pPr marL="285750" indent="-285750">
+              <a:buFont typeface="Arial" panose="020B0604020202020204" pitchFamily="34" charset="0"/>
+              <a:buChar char="•"/>
+            </a:pPr>
+            <a:r>
+              <a:rPr lang="en-US" sz="1800" dirty="0"/>
+              <a:t>Accelerometer Sensor</a:t>
+            </a:r>
+          </a:p>
+          <a:p>
+            <a:pPr marL="285750" indent="-285750">
+              <a:buFont typeface="Arial" panose="020B0604020202020204" pitchFamily="34" charset="0"/>
+              <a:buChar char="•"/>
+            </a:pPr>
+            <a:endParaRPr lang="en-US" sz="1800" dirty="0"/>
+          </a:p>
+          <a:p>
+            <a:pPr marL="285750" indent="-285750">
+              <a:buFont typeface="Arial" panose="020B0604020202020204" pitchFamily="34" charset="0"/>
+              <a:buChar char="•"/>
+            </a:pPr>
+            <a:r>
+              <a:rPr lang="en-US" sz="1800" dirty="0"/>
+              <a:t>Lux Sensor</a:t>
+            </a:r>
+          </a:p>
+          <a:p>
+            <a:pPr marL="285750" indent="-285750">
+              <a:buFont typeface="Arial" panose="020B0604020202020204" pitchFamily="34" charset="0"/>
+              <a:buChar char="•"/>
+            </a:pPr>
+            <a:endParaRPr lang="en-US" sz="1800" dirty="0"/>
+          </a:p>
+          <a:p>
+            <a:pPr marL="285750" indent="-285750">
+              <a:buFont typeface="Arial" panose="020B0604020202020204" pitchFamily="34" charset="0"/>
+              <a:buChar char="•"/>
+            </a:pPr>
+            <a:r>
+              <a:rPr lang="en-US" sz="1800" dirty="0"/>
+              <a:t>Week Days vs Week End</a:t>
+            </a:r>
+          </a:p>
+          <a:p>
+            <a:pPr marL="285750" indent="-285750">
+              <a:buFont typeface="Arial" panose="020B0604020202020204" pitchFamily="34" charset="0"/>
+              <a:buChar char="•"/>
+            </a:pPr>
+            <a:endParaRPr lang="en-US" sz="1800" dirty="0"/>
+          </a:p>
+          <a:p>
+            <a:pPr marL="285750" indent="-285750">
+              <a:buFont typeface="Arial" panose="020B0604020202020204" pitchFamily="34" charset="0"/>
+              <a:buChar char="•"/>
+            </a:pPr>
+            <a:endParaRPr lang="en-US" sz="1800" dirty="0"/>
+          </a:p>
+          <a:p>
+            <a:pPr marL="285750" indent="-285750">
+              <a:buFont typeface="Arial" panose="020B0604020202020204" pitchFamily="34" charset="0"/>
+              <a:buChar char="•"/>
+            </a:pPr>
+            <a:endParaRPr lang="en-US" sz="1800" dirty="0"/>
+          </a:p>
+          <a:p>
+            <a:endParaRPr lang="en-US" dirty="0"/>
+          </a:p>
+          <a:p>
+            <a:endParaRPr lang="en-US" dirty="0"/>
+          </a:p>
+          <a:p>
+            <a:endParaRPr lang="en-US" dirty="0"/>
           </a:p>
         </p:txBody>
       </p:sp>
@@ -9768,7 +10457,7 @@
         </p:nvSpPr>
         <p:spPr>
           <a:xfrm>
-            <a:off x="-1" y="92875"/>
+            <a:off x="510361" y="114140"/>
             <a:ext cx="7251405" cy="723245"/>
           </a:xfrm>
           <a:prstGeom prst="rect">
@@ -9804,7 +10493,7 @@
                 <a:cs typeface="Georgia"/>
                 <a:sym typeface="Georgia"/>
               </a:rPr>
-              <a:t>Use Cases: results &amp; visualization</a:t>
+              <a:t>Use Cases: results-WeekDays</a:t>
             </a:r>
             <a:endParaRPr sz="3500" dirty="0">
               <a:solidFill>
@@ -9818,6 +10507,36 @@
           </a:p>
         </p:txBody>
       </p:sp>
+      <p:pic>
+        <p:nvPicPr>
+          <p:cNvPr id="3" name="Picture 2">
+            <a:extLst>
+              <a:ext uri="{FF2B5EF4-FFF2-40B4-BE49-F238E27FC236}">
+                <a16:creationId xmlns:a16="http://schemas.microsoft.com/office/drawing/2014/main" id="{B017B51A-DEDC-4AAB-8AC7-D92058D86A65}"/>
+              </a:ext>
+            </a:extLst>
+          </p:cNvPr>
+          <p:cNvPicPr>
+            <a:picLocks noChangeAspect="1"/>
+          </p:cNvPicPr>
+          <p:nvPr/>
+        </p:nvPicPr>
+        <p:blipFill>
+          <a:blip r:embed="rId3"/>
+          <a:stretch>
+            <a:fillRect/>
+          </a:stretch>
+        </p:blipFill>
+        <p:spPr>
+          <a:xfrm>
+            <a:off x="589774" y="1690576"/>
+            <a:ext cx="7565377" cy="2808551"/>
+          </a:xfrm>
+          <a:prstGeom prst="rect">
+            <a:avLst/>
+          </a:prstGeom>
+        </p:spPr>
+      </p:pic>
     </p:spTree>
     <p:extLst>
       <p:ext uri="{BB962C8B-B14F-4D97-AF65-F5344CB8AC3E}">
@@ -9836,7 +10555,7 @@
   <p:cSld>
     <p:spTree>
       <p:nvGrpSpPr>
-        <p:cNvPr id="1" name="Shape 343"/>
+        <p:cNvPr id="1" name="Shape 337"/>
         <p:cNvGrpSpPr/>
         <p:nvPr/>
       </p:nvGrpSpPr>
@@ -9850,14 +10569,60 @@
       </p:grpSpPr>
       <p:sp>
         <p:nvSpPr>
-          <p:cNvPr id="344" name="Google Shape;344;p25"/>
+          <p:cNvPr id="338" name="Google Shape;338;p24"/>
+          <p:cNvSpPr/>
+          <p:nvPr/>
+        </p:nvSpPr>
+        <p:spPr>
+          <a:xfrm>
+            <a:off x="0" y="0"/>
+            <a:ext cx="9143982" cy="1119312"/>
+          </a:xfrm>
+          <a:prstGeom prst="flowChartDocument">
+            <a:avLst/>
+          </a:prstGeom>
+          <a:solidFill>
+            <a:srgbClr val="2C8B73"/>
+          </a:solidFill>
+          <a:ln w="9525" cap="flat" cmpd="sng">
+            <a:solidFill>
+              <a:schemeClr val="dk2"/>
+            </a:solidFill>
+            <a:prstDash val="solid"/>
+            <a:round/>
+            <a:headEnd type="none" w="sm" len="sm"/>
+            <a:tailEnd type="none" w="sm" len="sm"/>
+          </a:ln>
+        </p:spPr>
+        <p:txBody>
+          <a:bodyPr spcFirstLastPara="1" wrap="square" lIns="91425" tIns="91425" rIns="91425" bIns="91425" anchor="ctr" anchorCtr="0">
+            <a:noAutofit/>
+          </a:bodyPr>
+          <a:lstStyle/>
+          <a:p>
+            <a:pPr marL="0" lvl="0" indent="0" algn="l" rtl="0">
+              <a:spcBef>
+                <a:spcPts val="0"/>
+              </a:spcBef>
+              <a:spcAft>
+                <a:spcPts val="0"/>
+              </a:spcAft>
+              <a:buNone/>
+            </a:pPr>
+            <a:endParaRPr/>
+          </a:p>
+        </p:txBody>
+      </p:sp>
+      <p:sp>
+        <p:nvSpPr>
+          <p:cNvPr id="339" name="Google Shape;339;p24"/>
           <p:cNvSpPr txBox="1"/>
           <p:nvPr/>
         </p:nvSpPr>
         <p:spPr>
           <a:xfrm>
-            <a:off x="3246425" y="2044025"/>
-            <a:ext cx="3099300" cy="769500"/>
+            <a:off x="510361" y="114140"/>
+            <a:ext cx="7251405" cy="723245"/>
           </a:xfrm>
           <a:prstGeom prst="rect">
             <a:avLst/>
@@ -9883,14 +10648,781 @@
               <a:buNone/>
             </a:pPr>
             <a:r>
-              <a:rPr lang="en" sz="3800"/>
-              <a:t>Thank you</a:t>
+              <a:rPr lang="en" sz="3500" dirty="0">
+                <a:solidFill>
+                  <a:schemeClr val="lt1"/>
+                </a:solidFill>
+                <a:latin typeface="Georgia"/>
+                <a:ea typeface="Georgia"/>
+                <a:cs typeface="Georgia"/>
+                <a:sym typeface="Georgia"/>
+              </a:rPr>
+              <a:t>Use Cases: results-WeekDays</a:t>
             </a:r>
-            <a:endParaRPr sz="3800"/>
+            <a:endParaRPr sz="3500" dirty="0">
+              <a:solidFill>
+                <a:schemeClr val="lt1"/>
+              </a:solidFill>
+              <a:latin typeface="Georgia"/>
+              <a:ea typeface="Georgia"/>
+              <a:cs typeface="Georgia"/>
+              <a:sym typeface="Georgia"/>
+            </a:endParaRPr>
           </a:p>
         </p:txBody>
       </p:sp>
+      <p:pic>
+        <p:nvPicPr>
+          <p:cNvPr id="4" name="Picture 3">
+            <a:extLst>
+              <a:ext uri="{FF2B5EF4-FFF2-40B4-BE49-F238E27FC236}">
+                <a16:creationId xmlns:a16="http://schemas.microsoft.com/office/drawing/2014/main" id="{FE707EF7-0A26-4A54-BDC7-13D87E86E224}"/>
+              </a:ext>
+            </a:extLst>
+          </p:cNvPr>
+          <p:cNvPicPr>
+            <a:picLocks noChangeAspect="1"/>
+          </p:cNvPicPr>
+          <p:nvPr/>
+        </p:nvPicPr>
+        <p:blipFill>
+          <a:blip r:embed="rId3"/>
+          <a:stretch>
+            <a:fillRect/>
+          </a:stretch>
+        </p:blipFill>
+        <p:spPr>
+          <a:xfrm>
+            <a:off x="4901701" y="1919196"/>
+            <a:ext cx="3740294" cy="2559523"/>
+          </a:xfrm>
+          <a:prstGeom prst="rect">
+            <a:avLst/>
+          </a:prstGeom>
+        </p:spPr>
+      </p:pic>
+      <p:pic>
+        <p:nvPicPr>
+          <p:cNvPr id="6" name="Picture 5">
+            <a:extLst>
+              <a:ext uri="{FF2B5EF4-FFF2-40B4-BE49-F238E27FC236}">
+                <a16:creationId xmlns:a16="http://schemas.microsoft.com/office/drawing/2014/main" id="{70FEBFA9-37C1-4D0A-8170-480C1A65D636}"/>
+              </a:ext>
+            </a:extLst>
+          </p:cNvPr>
+          <p:cNvPicPr>
+            <a:picLocks noChangeAspect="1"/>
+          </p:cNvPicPr>
+          <p:nvPr/>
+        </p:nvPicPr>
+        <p:blipFill>
+          <a:blip r:embed="rId4"/>
+          <a:stretch>
+            <a:fillRect/>
+          </a:stretch>
+        </p:blipFill>
+        <p:spPr>
+          <a:xfrm>
+            <a:off x="398273" y="1898914"/>
+            <a:ext cx="4301318" cy="2600089"/>
+          </a:xfrm>
+          <a:prstGeom prst="rect">
+            <a:avLst/>
+          </a:prstGeom>
+        </p:spPr>
+      </p:pic>
     </p:spTree>
+    <p:extLst>
+      <p:ext uri="{BB962C8B-B14F-4D97-AF65-F5344CB8AC3E}">
+        <p14:creationId xmlns:p14="http://schemas.microsoft.com/office/powerpoint/2010/main" val="84856692"/>
+      </p:ext>
+    </p:extLst>
+  </p:cSld>
+  <p:clrMapOvr>
+    <a:masterClrMapping/>
+  </p:clrMapOvr>
+</p:sld>
+</file>
+
+<file path=ppt/slides/slide16.xml><?xml version="1.0" encoding="utf-8"?>
+<p:sld xmlns:a="http://schemas.openxmlformats.org/drawingml/2006/main" xmlns:r="http://schemas.openxmlformats.org/officeDocument/2006/relationships" xmlns:p="http://schemas.openxmlformats.org/presentationml/2006/main">
+  <p:cSld>
+    <p:spTree>
+      <p:nvGrpSpPr>
+        <p:cNvPr id="1" name="Shape 337"/>
+        <p:cNvGrpSpPr/>
+        <p:nvPr/>
+      </p:nvGrpSpPr>
+      <p:grpSpPr>
+        <a:xfrm>
+          <a:off x="0" y="0"/>
+          <a:ext cx="0" cy="0"/>
+          <a:chOff x="0" y="0"/>
+          <a:chExt cx="0" cy="0"/>
+        </a:xfrm>
+      </p:grpSpPr>
+      <p:sp>
+        <p:nvSpPr>
+          <p:cNvPr id="338" name="Google Shape;338;p24"/>
+          <p:cNvSpPr/>
+          <p:nvPr/>
+        </p:nvSpPr>
+        <p:spPr>
+          <a:xfrm>
+            <a:off x="0" y="0"/>
+            <a:ext cx="9143982" cy="1119312"/>
+          </a:xfrm>
+          <a:prstGeom prst="flowChartDocument">
+            <a:avLst/>
+          </a:prstGeom>
+          <a:solidFill>
+            <a:srgbClr val="2C8B73"/>
+          </a:solidFill>
+          <a:ln w="9525" cap="flat" cmpd="sng">
+            <a:solidFill>
+              <a:schemeClr val="dk2"/>
+            </a:solidFill>
+            <a:prstDash val="solid"/>
+            <a:round/>
+            <a:headEnd type="none" w="sm" len="sm"/>
+            <a:tailEnd type="none" w="sm" len="sm"/>
+          </a:ln>
+        </p:spPr>
+        <p:txBody>
+          <a:bodyPr spcFirstLastPara="1" wrap="square" lIns="91425" tIns="91425" rIns="91425" bIns="91425" anchor="ctr" anchorCtr="0">
+            <a:noAutofit/>
+          </a:bodyPr>
+          <a:lstStyle/>
+          <a:p>
+            <a:pPr marL="0" lvl="0" indent="0" algn="l" rtl="0">
+              <a:spcBef>
+                <a:spcPts val="0"/>
+              </a:spcBef>
+              <a:spcAft>
+                <a:spcPts val="0"/>
+              </a:spcAft>
+              <a:buNone/>
+            </a:pPr>
+            <a:endParaRPr/>
+          </a:p>
+        </p:txBody>
+      </p:sp>
+      <p:sp>
+        <p:nvSpPr>
+          <p:cNvPr id="339" name="Google Shape;339;p24"/>
+          <p:cNvSpPr txBox="1"/>
+          <p:nvPr/>
+        </p:nvSpPr>
+        <p:spPr>
+          <a:xfrm>
+            <a:off x="510361" y="114140"/>
+            <a:ext cx="7251405" cy="723245"/>
+          </a:xfrm>
+          <a:prstGeom prst="rect">
+            <a:avLst/>
+          </a:prstGeom>
+          <a:noFill/>
+          <a:ln>
+            <a:noFill/>
+          </a:ln>
+        </p:spPr>
+        <p:txBody>
+          <a:bodyPr spcFirstLastPara="1" wrap="square" lIns="91425" tIns="91425" rIns="91425" bIns="91425" anchor="t" anchorCtr="0">
+            <a:spAutoFit/>
+          </a:bodyPr>
+          <a:lstStyle/>
+          <a:p>
+            <a:pPr marL="0" lvl="0" indent="0" algn="l" rtl="0">
+              <a:spcBef>
+                <a:spcPts val="0"/>
+              </a:spcBef>
+              <a:spcAft>
+                <a:spcPts val="0"/>
+              </a:spcAft>
+              <a:buNone/>
+            </a:pPr>
+            <a:r>
+              <a:rPr lang="en" sz="3500" dirty="0">
+                <a:solidFill>
+                  <a:schemeClr val="lt1"/>
+                </a:solidFill>
+                <a:latin typeface="Georgia"/>
+                <a:ea typeface="Georgia"/>
+                <a:cs typeface="Georgia"/>
+                <a:sym typeface="Georgia"/>
+              </a:rPr>
+              <a:t>Use Cases: results-WeekDays</a:t>
+            </a:r>
+            <a:endParaRPr sz="3500" dirty="0">
+              <a:solidFill>
+                <a:schemeClr val="lt1"/>
+              </a:solidFill>
+              <a:latin typeface="Georgia"/>
+              <a:ea typeface="Georgia"/>
+              <a:cs typeface="Georgia"/>
+              <a:sym typeface="Georgia"/>
+            </a:endParaRPr>
+          </a:p>
+        </p:txBody>
+      </p:sp>
+      <p:pic>
+        <p:nvPicPr>
+          <p:cNvPr id="3" name="Picture 2">
+            <a:extLst>
+              <a:ext uri="{FF2B5EF4-FFF2-40B4-BE49-F238E27FC236}">
+                <a16:creationId xmlns:a16="http://schemas.microsoft.com/office/drawing/2014/main" id="{15280364-C18F-454D-9BF2-1ABD95A179EE}"/>
+              </a:ext>
+            </a:extLst>
+          </p:cNvPr>
+          <p:cNvPicPr>
+            <a:picLocks noChangeAspect="1"/>
+          </p:cNvPicPr>
+          <p:nvPr/>
+        </p:nvPicPr>
+        <p:blipFill>
+          <a:blip r:embed="rId3"/>
+          <a:stretch>
+            <a:fillRect/>
+          </a:stretch>
+        </p:blipFill>
+        <p:spPr>
+          <a:xfrm>
+            <a:off x="834656" y="1372721"/>
+            <a:ext cx="7474688" cy="3416166"/>
+          </a:xfrm>
+          <a:prstGeom prst="rect">
+            <a:avLst/>
+          </a:prstGeom>
+        </p:spPr>
+      </p:pic>
+    </p:spTree>
+    <p:extLst>
+      <p:ext uri="{BB962C8B-B14F-4D97-AF65-F5344CB8AC3E}">
+        <p14:creationId xmlns:p14="http://schemas.microsoft.com/office/powerpoint/2010/main" val="3390090175"/>
+      </p:ext>
+    </p:extLst>
+  </p:cSld>
+  <p:clrMapOvr>
+    <a:masterClrMapping/>
+  </p:clrMapOvr>
+</p:sld>
+</file>
+
+<file path=ppt/slides/slide17.xml><?xml version="1.0" encoding="utf-8"?>
+<p:sld xmlns:a="http://schemas.openxmlformats.org/drawingml/2006/main" xmlns:r="http://schemas.openxmlformats.org/officeDocument/2006/relationships" xmlns:p="http://schemas.openxmlformats.org/presentationml/2006/main">
+  <p:cSld>
+    <p:spTree>
+      <p:nvGrpSpPr>
+        <p:cNvPr id="1" name="Shape 337"/>
+        <p:cNvGrpSpPr/>
+        <p:nvPr/>
+      </p:nvGrpSpPr>
+      <p:grpSpPr>
+        <a:xfrm>
+          <a:off x="0" y="0"/>
+          <a:ext cx="0" cy="0"/>
+          <a:chOff x="0" y="0"/>
+          <a:chExt cx="0" cy="0"/>
+        </a:xfrm>
+      </p:grpSpPr>
+      <p:sp>
+        <p:nvSpPr>
+          <p:cNvPr id="338" name="Google Shape;338;p24"/>
+          <p:cNvSpPr/>
+          <p:nvPr/>
+        </p:nvSpPr>
+        <p:spPr>
+          <a:xfrm>
+            <a:off x="0" y="0"/>
+            <a:ext cx="9143982" cy="1119312"/>
+          </a:xfrm>
+          <a:prstGeom prst="flowChartDocument">
+            <a:avLst/>
+          </a:prstGeom>
+          <a:solidFill>
+            <a:srgbClr val="2C8B73"/>
+          </a:solidFill>
+          <a:ln w="9525" cap="flat" cmpd="sng">
+            <a:solidFill>
+              <a:schemeClr val="dk2"/>
+            </a:solidFill>
+            <a:prstDash val="solid"/>
+            <a:round/>
+            <a:headEnd type="none" w="sm" len="sm"/>
+            <a:tailEnd type="none" w="sm" len="sm"/>
+          </a:ln>
+        </p:spPr>
+        <p:txBody>
+          <a:bodyPr spcFirstLastPara="1" wrap="square" lIns="91425" tIns="91425" rIns="91425" bIns="91425" anchor="ctr" anchorCtr="0">
+            <a:noAutofit/>
+          </a:bodyPr>
+          <a:lstStyle/>
+          <a:p>
+            <a:pPr marL="0" lvl="0" indent="0" algn="l" rtl="0">
+              <a:spcBef>
+                <a:spcPts val="0"/>
+              </a:spcBef>
+              <a:spcAft>
+                <a:spcPts val="0"/>
+              </a:spcAft>
+              <a:buNone/>
+            </a:pPr>
+            <a:endParaRPr/>
+          </a:p>
+        </p:txBody>
+      </p:sp>
+      <p:sp>
+        <p:nvSpPr>
+          <p:cNvPr id="339" name="Google Shape;339;p24"/>
+          <p:cNvSpPr txBox="1"/>
+          <p:nvPr/>
+        </p:nvSpPr>
+        <p:spPr>
+          <a:xfrm>
+            <a:off x="510361" y="114140"/>
+            <a:ext cx="7251405" cy="723245"/>
+          </a:xfrm>
+          <a:prstGeom prst="rect">
+            <a:avLst/>
+          </a:prstGeom>
+          <a:noFill/>
+          <a:ln>
+            <a:noFill/>
+          </a:ln>
+        </p:spPr>
+        <p:txBody>
+          <a:bodyPr spcFirstLastPara="1" wrap="square" lIns="91425" tIns="91425" rIns="91425" bIns="91425" anchor="t" anchorCtr="0">
+            <a:spAutoFit/>
+          </a:bodyPr>
+          <a:lstStyle/>
+          <a:p>
+            <a:pPr marL="0" lvl="0" indent="0" algn="l" rtl="0">
+              <a:spcBef>
+                <a:spcPts val="0"/>
+              </a:spcBef>
+              <a:spcAft>
+                <a:spcPts val="0"/>
+              </a:spcAft>
+              <a:buNone/>
+            </a:pPr>
+            <a:r>
+              <a:rPr lang="en" sz="3500" dirty="0">
+                <a:solidFill>
+                  <a:schemeClr val="lt1"/>
+                </a:solidFill>
+                <a:latin typeface="Georgia"/>
+                <a:ea typeface="Georgia"/>
+                <a:cs typeface="Georgia"/>
+                <a:sym typeface="Georgia"/>
+              </a:rPr>
+              <a:t>Use Cases: results-WeekEnd</a:t>
+            </a:r>
+            <a:endParaRPr sz="3500" dirty="0">
+              <a:solidFill>
+                <a:schemeClr val="lt1"/>
+              </a:solidFill>
+              <a:latin typeface="Georgia"/>
+              <a:ea typeface="Georgia"/>
+              <a:cs typeface="Georgia"/>
+              <a:sym typeface="Georgia"/>
+            </a:endParaRPr>
+          </a:p>
+        </p:txBody>
+      </p:sp>
+      <p:pic>
+        <p:nvPicPr>
+          <p:cNvPr id="3" name="Picture 2">
+            <a:extLst>
+              <a:ext uri="{FF2B5EF4-FFF2-40B4-BE49-F238E27FC236}">
+                <a16:creationId xmlns:a16="http://schemas.microsoft.com/office/drawing/2014/main" id="{76D4C5A3-A462-4D9B-A8BE-40D91DBEF389}"/>
+              </a:ext>
+            </a:extLst>
+          </p:cNvPr>
+          <p:cNvPicPr>
+            <a:picLocks noChangeAspect="1"/>
+          </p:cNvPicPr>
+          <p:nvPr/>
+        </p:nvPicPr>
+        <p:blipFill>
+          <a:blip r:embed="rId3"/>
+          <a:stretch>
+            <a:fillRect/>
+          </a:stretch>
+        </p:blipFill>
+        <p:spPr>
+          <a:xfrm>
+            <a:off x="361505" y="1686472"/>
+            <a:ext cx="8250865" cy="3104562"/>
+          </a:xfrm>
+          <a:prstGeom prst="rect">
+            <a:avLst/>
+          </a:prstGeom>
+        </p:spPr>
+      </p:pic>
+    </p:spTree>
+    <p:extLst>
+      <p:ext uri="{BB962C8B-B14F-4D97-AF65-F5344CB8AC3E}">
+        <p14:creationId xmlns:p14="http://schemas.microsoft.com/office/powerpoint/2010/main" val="464629908"/>
+      </p:ext>
+    </p:extLst>
+  </p:cSld>
+  <p:clrMapOvr>
+    <a:masterClrMapping/>
+  </p:clrMapOvr>
+</p:sld>
+</file>
+
+<file path=ppt/slides/slide18.xml><?xml version="1.0" encoding="utf-8"?>
+<p:sld xmlns:a="http://schemas.openxmlformats.org/drawingml/2006/main" xmlns:r="http://schemas.openxmlformats.org/officeDocument/2006/relationships" xmlns:p="http://schemas.openxmlformats.org/presentationml/2006/main">
+  <p:cSld>
+    <p:spTree>
+      <p:nvGrpSpPr>
+        <p:cNvPr id="1" name="Shape 337"/>
+        <p:cNvGrpSpPr/>
+        <p:nvPr/>
+      </p:nvGrpSpPr>
+      <p:grpSpPr>
+        <a:xfrm>
+          <a:off x="0" y="0"/>
+          <a:ext cx="0" cy="0"/>
+          <a:chOff x="0" y="0"/>
+          <a:chExt cx="0" cy="0"/>
+        </a:xfrm>
+      </p:grpSpPr>
+      <p:sp>
+        <p:nvSpPr>
+          <p:cNvPr id="338" name="Google Shape;338;p24"/>
+          <p:cNvSpPr/>
+          <p:nvPr/>
+        </p:nvSpPr>
+        <p:spPr>
+          <a:xfrm>
+            <a:off x="0" y="0"/>
+            <a:ext cx="9143982" cy="1119312"/>
+          </a:xfrm>
+          <a:prstGeom prst="flowChartDocument">
+            <a:avLst/>
+          </a:prstGeom>
+          <a:solidFill>
+            <a:srgbClr val="2C8B73"/>
+          </a:solidFill>
+          <a:ln w="9525" cap="flat" cmpd="sng">
+            <a:solidFill>
+              <a:schemeClr val="dk2"/>
+            </a:solidFill>
+            <a:prstDash val="solid"/>
+            <a:round/>
+            <a:headEnd type="none" w="sm" len="sm"/>
+            <a:tailEnd type="none" w="sm" len="sm"/>
+          </a:ln>
+        </p:spPr>
+        <p:txBody>
+          <a:bodyPr spcFirstLastPara="1" wrap="square" lIns="91425" tIns="91425" rIns="91425" bIns="91425" anchor="ctr" anchorCtr="0">
+            <a:noAutofit/>
+          </a:bodyPr>
+          <a:lstStyle/>
+          <a:p>
+            <a:pPr marL="0" lvl="0" indent="0" algn="l" rtl="0">
+              <a:spcBef>
+                <a:spcPts val="0"/>
+              </a:spcBef>
+              <a:spcAft>
+                <a:spcPts val="0"/>
+              </a:spcAft>
+              <a:buNone/>
+            </a:pPr>
+            <a:endParaRPr/>
+          </a:p>
+        </p:txBody>
+      </p:sp>
+      <p:sp>
+        <p:nvSpPr>
+          <p:cNvPr id="339" name="Google Shape;339;p24"/>
+          <p:cNvSpPr txBox="1"/>
+          <p:nvPr/>
+        </p:nvSpPr>
+        <p:spPr>
+          <a:xfrm>
+            <a:off x="510361" y="114140"/>
+            <a:ext cx="7251405" cy="723245"/>
+          </a:xfrm>
+          <a:prstGeom prst="rect">
+            <a:avLst/>
+          </a:prstGeom>
+          <a:noFill/>
+          <a:ln>
+            <a:noFill/>
+          </a:ln>
+        </p:spPr>
+        <p:txBody>
+          <a:bodyPr spcFirstLastPara="1" wrap="square" lIns="91425" tIns="91425" rIns="91425" bIns="91425" anchor="t" anchorCtr="0">
+            <a:spAutoFit/>
+          </a:bodyPr>
+          <a:lstStyle/>
+          <a:p>
+            <a:pPr marL="0" lvl="0" indent="0" algn="l" rtl="0">
+              <a:spcBef>
+                <a:spcPts val="0"/>
+              </a:spcBef>
+              <a:spcAft>
+                <a:spcPts val="0"/>
+              </a:spcAft>
+              <a:buNone/>
+            </a:pPr>
+            <a:r>
+              <a:rPr lang="en" sz="3500" dirty="0">
+                <a:solidFill>
+                  <a:schemeClr val="lt1"/>
+                </a:solidFill>
+                <a:latin typeface="Georgia"/>
+                <a:ea typeface="Georgia"/>
+                <a:cs typeface="Georgia"/>
+                <a:sym typeface="Georgia"/>
+              </a:rPr>
+              <a:t>Use Cases: results-WeekDays</a:t>
+            </a:r>
+            <a:endParaRPr sz="3500" dirty="0">
+              <a:solidFill>
+                <a:schemeClr val="lt1"/>
+              </a:solidFill>
+              <a:latin typeface="Georgia"/>
+              <a:ea typeface="Georgia"/>
+              <a:cs typeface="Georgia"/>
+              <a:sym typeface="Georgia"/>
+            </a:endParaRPr>
+          </a:p>
+        </p:txBody>
+      </p:sp>
+      <p:pic>
+        <p:nvPicPr>
+          <p:cNvPr id="3" name="Picture 2">
+            <a:extLst>
+              <a:ext uri="{FF2B5EF4-FFF2-40B4-BE49-F238E27FC236}">
+                <a16:creationId xmlns:a16="http://schemas.microsoft.com/office/drawing/2014/main" id="{E84262D0-BFED-46EB-A6B6-879494022A2C}"/>
+              </a:ext>
+            </a:extLst>
+          </p:cNvPr>
+          <p:cNvPicPr>
+            <a:picLocks noChangeAspect="1"/>
+          </p:cNvPicPr>
+          <p:nvPr/>
+        </p:nvPicPr>
+        <p:blipFill>
+          <a:blip r:embed="rId3"/>
+          <a:stretch>
+            <a:fillRect/>
+          </a:stretch>
+        </p:blipFill>
+        <p:spPr>
+          <a:xfrm>
+            <a:off x="5187297" y="1690576"/>
+            <a:ext cx="3480169" cy="2710048"/>
+          </a:xfrm>
+          <a:prstGeom prst="rect">
+            <a:avLst/>
+          </a:prstGeom>
+        </p:spPr>
+      </p:pic>
+      <p:pic>
+        <p:nvPicPr>
+          <p:cNvPr id="7" name="Picture 6">
+            <a:extLst>
+              <a:ext uri="{FF2B5EF4-FFF2-40B4-BE49-F238E27FC236}">
+                <a16:creationId xmlns:a16="http://schemas.microsoft.com/office/drawing/2014/main" id="{FA42CF9C-A0BC-47B5-A4E5-917D8546F2FB}"/>
+              </a:ext>
+            </a:extLst>
+          </p:cNvPr>
+          <p:cNvPicPr>
+            <a:picLocks noChangeAspect="1"/>
+          </p:cNvPicPr>
+          <p:nvPr/>
+        </p:nvPicPr>
+        <p:blipFill>
+          <a:blip r:embed="rId4"/>
+          <a:stretch>
+            <a:fillRect/>
+          </a:stretch>
+        </p:blipFill>
+        <p:spPr>
+          <a:xfrm>
+            <a:off x="476534" y="1786686"/>
+            <a:ext cx="4609228" cy="2517827"/>
+          </a:xfrm>
+          <a:prstGeom prst="rect">
+            <a:avLst/>
+          </a:prstGeom>
+        </p:spPr>
+      </p:pic>
+    </p:spTree>
+    <p:extLst>
+      <p:ext uri="{BB962C8B-B14F-4D97-AF65-F5344CB8AC3E}">
+        <p14:creationId xmlns:p14="http://schemas.microsoft.com/office/powerpoint/2010/main" val="1522032253"/>
+      </p:ext>
+    </p:extLst>
+  </p:cSld>
+  <p:clrMapOvr>
+    <a:masterClrMapping/>
+  </p:clrMapOvr>
+</p:sld>
+</file>
+
+<file path=ppt/slides/slide19.xml><?xml version="1.0" encoding="utf-8"?>
+<p:sld xmlns:a="http://schemas.openxmlformats.org/drawingml/2006/main" xmlns:r="http://schemas.openxmlformats.org/officeDocument/2006/relationships" xmlns:p="http://schemas.openxmlformats.org/presentationml/2006/main">
+  <p:cSld>
+    <p:spTree>
+      <p:nvGrpSpPr>
+        <p:cNvPr id="1" name="Shape 337"/>
+        <p:cNvGrpSpPr/>
+        <p:nvPr/>
+      </p:nvGrpSpPr>
+      <p:grpSpPr>
+        <a:xfrm>
+          <a:off x="0" y="0"/>
+          <a:ext cx="0" cy="0"/>
+          <a:chOff x="0" y="0"/>
+          <a:chExt cx="0" cy="0"/>
+        </a:xfrm>
+      </p:grpSpPr>
+      <p:sp>
+        <p:nvSpPr>
+          <p:cNvPr id="338" name="Google Shape;338;p24"/>
+          <p:cNvSpPr/>
+          <p:nvPr/>
+        </p:nvSpPr>
+        <p:spPr>
+          <a:xfrm>
+            <a:off x="0" y="0"/>
+            <a:ext cx="9143982" cy="1119312"/>
+          </a:xfrm>
+          <a:prstGeom prst="flowChartDocument">
+            <a:avLst/>
+          </a:prstGeom>
+          <a:solidFill>
+            <a:srgbClr val="2C8B73"/>
+          </a:solidFill>
+          <a:ln w="9525" cap="flat" cmpd="sng">
+            <a:solidFill>
+              <a:schemeClr val="dk2"/>
+            </a:solidFill>
+            <a:prstDash val="solid"/>
+            <a:round/>
+            <a:headEnd type="none" w="sm" len="sm"/>
+            <a:tailEnd type="none" w="sm" len="sm"/>
+          </a:ln>
+        </p:spPr>
+        <p:txBody>
+          <a:bodyPr spcFirstLastPara="1" wrap="square" lIns="91425" tIns="91425" rIns="91425" bIns="91425" anchor="ctr" anchorCtr="0">
+            <a:noAutofit/>
+          </a:bodyPr>
+          <a:lstStyle/>
+          <a:p>
+            <a:pPr marL="0" lvl="0" indent="0" algn="l" rtl="0">
+              <a:spcBef>
+                <a:spcPts val="0"/>
+              </a:spcBef>
+              <a:spcAft>
+                <a:spcPts val="0"/>
+              </a:spcAft>
+              <a:buNone/>
+            </a:pPr>
+            <a:endParaRPr/>
+          </a:p>
+        </p:txBody>
+      </p:sp>
+      <p:sp>
+        <p:nvSpPr>
+          <p:cNvPr id="339" name="Google Shape;339;p24"/>
+          <p:cNvSpPr txBox="1"/>
+          <p:nvPr/>
+        </p:nvSpPr>
+        <p:spPr>
+          <a:xfrm>
+            <a:off x="510361" y="114140"/>
+            <a:ext cx="7251405" cy="723245"/>
+          </a:xfrm>
+          <a:prstGeom prst="rect">
+            <a:avLst/>
+          </a:prstGeom>
+          <a:noFill/>
+          <a:ln>
+            <a:noFill/>
+          </a:ln>
+        </p:spPr>
+        <p:txBody>
+          <a:bodyPr spcFirstLastPara="1" wrap="square" lIns="91425" tIns="91425" rIns="91425" bIns="91425" anchor="t" anchorCtr="0">
+            <a:spAutoFit/>
+          </a:bodyPr>
+          <a:lstStyle/>
+          <a:p>
+            <a:pPr marL="0" lvl="0" indent="0" algn="l" rtl="0">
+              <a:spcBef>
+                <a:spcPts val="0"/>
+              </a:spcBef>
+              <a:spcAft>
+                <a:spcPts val="0"/>
+              </a:spcAft>
+              <a:buNone/>
+            </a:pPr>
+            <a:r>
+              <a:rPr lang="en" sz="3500" dirty="0">
+                <a:solidFill>
+                  <a:schemeClr val="lt1"/>
+                </a:solidFill>
+                <a:latin typeface="Georgia"/>
+                <a:ea typeface="Georgia"/>
+                <a:cs typeface="Georgia"/>
+                <a:sym typeface="Georgia"/>
+              </a:rPr>
+              <a:t>Use Cases: results-WeekDays</a:t>
+            </a:r>
+            <a:endParaRPr sz="3500" dirty="0">
+              <a:solidFill>
+                <a:schemeClr val="lt1"/>
+              </a:solidFill>
+              <a:latin typeface="Georgia"/>
+              <a:ea typeface="Georgia"/>
+              <a:cs typeface="Georgia"/>
+              <a:sym typeface="Georgia"/>
+            </a:endParaRPr>
+          </a:p>
+        </p:txBody>
+      </p:sp>
+      <p:pic>
+        <p:nvPicPr>
+          <p:cNvPr id="4" name="Picture 3">
+            <a:extLst>
+              <a:ext uri="{FF2B5EF4-FFF2-40B4-BE49-F238E27FC236}">
+                <a16:creationId xmlns:a16="http://schemas.microsoft.com/office/drawing/2014/main" id="{F523E3B9-CEFF-470C-81BE-E71CE14461D1}"/>
+              </a:ext>
+            </a:extLst>
+          </p:cNvPr>
+          <p:cNvPicPr>
+            <a:picLocks noChangeAspect="1"/>
+          </p:cNvPicPr>
+          <p:nvPr/>
+        </p:nvPicPr>
+        <p:blipFill>
+          <a:blip r:embed="rId3"/>
+          <a:stretch>
+            <a:fillRect/>
+          </a:stretch>
+        </p:blipFill>
+        <p:spPr>
+          <a:xfrm>
+            <a:off x="208327" y="1233452"/>
+            <a:ext cx="7798376" cy="3568853"/>
+          </a:xfrm>
+          <a:prstGeom prst="rect">
+            <a:avLst/>
+          </a:prstGeom>
+        </p:spPr>
+      </p:pic>
+    </p:spTree>
+    <p:extLst>
+      <p:ext uri="{BB962C8B-B14F-4D97-AF65-F5344CB8AC3E}">
+        <p14:creationId xmlns:p14="http://schemas.microsoft.com/office/powerpoint/2010/main" val="3225387079"/>
+      </p:ext>
+    </p:extLst>
   </p:cSld>
   <p:clrMapOvr>
     <a:masterClrMapping/>
@@ -10173,6 +11705,238 @@
         </p:txBody>
       </p:sp>
     </p:spTree>
+  </p:cSld>
+  <p:clrMapOvr>
+    <a:masterClrMapping/>
+  </p:clrMapOvr>
+</p:sld>
+</file>
+
+<file path=ppt/slides/slide20.xml><?xml version="1.0" encoding="utf-8"?>
+<p:sld xmlns:a="http://schemas.openxmlformats.org/drawingml/2006/main" xmlns:r="http://schemas.openxmlformats.org/officeDocument/2006/relationships" xmlns:p="http://schemas.openxmlformats.org/presentationml/2006/main">
+  <p:cSld>
+    <p:spTree>
+      <p:nvGrpSpPr>
+        <p:cNvPr id="1" name="Shape 337"/>
+        <p:cNvGrpSpPr/>
+        <p:nvPr/>
+      </p:nvGrpSpPr>
+      <p:grpSpPr>
+        <a:xfrm>
+          <a:off x="0" y="0"/>
+          <a:ext cx="0" cy="0"/>
+          <a:chOff x="0" y="0"/>
+          <a:chExt cx="0" cy="0"/>
+        </a:xfrm>
+      </p:grpSpPr>
+      <p:sp>
+        <p:nvSpPr>
+          <p:cNvPr id="338" name="Google Shape;338;p24"/>
+          <p:cNvSpPr/>
+          <p:nvPr/>
+        </p:nvSpPr>
+        <p:spPr>
+          <a:xfrm>
+            <a:off x="0" y="0"/>
+            <a:ext cx="9143982" cy="1119312"/>
+          </a:xfrm>
+          <a:prstGeom prst="flowChartDocument">
+            <a:avLst/>
+          </a:prstGeom>
+          <a:solidFill>
+            <a:srgbClr val="2C8B73"/>
+          </a:solidFill>
+          <a:ln w="9525" cap="flat" cmpd="sng">
+            <a:solidFill>
+              <a:schemeClr val="dk2"/>
+            </a:solidFill>
+            <a:prstDash val="solid"/>
+            <a:round/>
+            <a:headEnd type="none" w="sm" len="sm"/>
+            <a:tailEnd type="none" w="sm" len="sm"/>
+          </a:ln>
+        </p:spPr>
+        <p:txBody>
+          <a:bodyPr spcFirstLastPara="1" wrap="square" lIns="91425" tIns="91425" rIns="91425" bIns="91425" anchor="ctr" anchorCtr="0">
+            <a:noAutofit/>
+          </a:bodyPr>
+          <a:lstStyle/>
+          <a:p>
+            <a:pPr marL="0" lvl="0" indent="0" algn="l" rtl="0">
+              <a:spcBef>
+                <a:spcPts val="0"/>
+              </a:spcBef>
+              <a:spcAft>
+                <a:spcPts val="0"/>
+              </a:spcAft>
+              <a:buNone/>
+            </a:pPr>
+            <a:endParaRPr/>
+          </a:p>
+        </p:txBody>
+      </p:sp>
+      <p:sp>
+        <p:nvSpPr>
+          <p:cNvPr id="339" name="Google Shape;339;p24"/>
+          <p:cNvSpPr txBox="1"/>
+          <p:nvPr/>
+        </p:nvSpPr>
+        <p:spPr>
+          <a:xfrm>
+            <a:off x="510361" y="114140"/>
+            <a:ext cx="7251405" cy="723245"/>
+          </a:xfrm>
+          <a:prstGeom prst="rect">
+            <a:avLst/>
+          </a:prstGeom>
+          <a:noFill/>
+          <a:ln>
+            <a:noFill/>
+          </a:ln>
+        </p:spPr>
+        <p:txBody>
+          <a:bodyPr spcFirstLastPara="1" wrap="square" lIns="91425" tIns="91425" rIns="91425" bIns="91425" anchor="t" anchorCtr="0">
+            <a:spAutoFit/>
+          </a:bodyPr>
+          <a:lstStyle/>
+          <a:p>
+            <a:pPr marL="0" lvl="0" indent="0" algn="l" rtl="0">
+              <a:spcBef>
+                <a:spcPts val="0"/>
+              </a:spcBef>
+              <a:spcAft>
+                <a:spcPts val="0"/>
+              </a:spcAft>
+              <a:buNone/>
+            </a:pPr>
+            <a:r>
+              <a:rPr lang="en" sz="3500" dirty="0">
+                <a:solidFill>
+                  <a:schemeClr val="lt1"/>
+                </a:solidFill>
+                <a:latin typeface="Georgia"/>
+                <a:ea typeface="Georgia"/>
+                <a:cs typeface="Georgia"/>
+                <a:sym typeface="Georgia"/>
+              </a:rPr>
+              <a:t>MOT Platform</a:t>
+            </a:r>
+            <a:endParaRPr sz="3500" dirty="0">
+              <a:solidFill>
+                <a:schemeClr val="lt1"/>
+              </a:solidFill>
+              <a:latin typeface="Georgia"/>
+              <a:ea typeface="Georgia"/>
+              <a:cs typeface="Georgia"/>
+              <a:sym typeface="Georgia"/>
+            </a:endParaRPr>
+          </a:p>
+        </p:txBody>
+      </p:sp>
+      <p:sp>
+        <p:nvSpPr>
+          <p:cNvPr id="2" name="TextBox 1">
+            <a:extLst>
+              <a:ext uri="{FF2B5EF4-FFF2-40B4-BE49-F238E27FC236}">
+                <a16:creationId xmlns:a16="http://schemas.microsoft.com/office/drawing/2014/main" id="{CBC15404-942F-4C9C-8743-B740CF782A39}"/>
+              </a:ext>
+            </a:extLst>
+          </p:cNvPr>
+          <p:cNvSpPr txBox="1"/>
+          <p:nvPr/>
+        </p:nvSpPr>
+        <p:spPr>
+          <a:xfrm>
+            <a:off x="1908535" y="2571750"/>
+            <a:ext cx="5326912" cy="523220"/>
+          </a:xfrm>
+          <a:prstGeom prst="rect">
+            <a:avLst/>
+          </a:prstGeom>
+          <a:noFill/>
+        </p:spPr>
+        <p:txBody>
+          <a:bodyPr wrap="square" rtlCol="0">
+            <a:spAutoFit/>
+          </a:bodyPr>
+          <a:lstStyle/>
+          <a:p>
+            <a:r>
+              <a:rPr lang="en-US" sz="2800" dirty="0">
+                <a:hlinkClick r:id="rId3"/>
+              </a:rPr>
+              <a:t>http://beta.masterofthings.com</a:t>
+            </a:r>
+            <a:endParaRPr lang="en-US" sz="2800" dirty="0"/>
+          </a:p>
+        </p:txBody>
+      </p:sp>
+    </p:spTree>
+    <p:extLst>
+      <p:ext uri="{BB962C8B-B14F-4D97-AF65-F5344CB8AC3E}">
+        <p14:creationId xmlns:p14="http://schemas.microsoft.com/office/powerpoint/2010/main" val="2873385766"/>
+      </p:ext>
+    </p:extLst>
+  </p:cSld>
+  <p:clrMapOvr>
+    <a:masterClrMapping/>
+  </p:clrMapOvr>
+</p:sld>
+</file>
+
+<file path=ppt/slides/slide21.xml><?xml version="1.0" encoding="utf-8"?>
+<p:sld xmlns:a="http://schemas.openxmlformats.org/drawingml/2006/main" xmlns:r="http://schemas.openxmlformats.org/officeDocument/2006/relationships" xmlns:p="http://schemas.openxmlformats.org/presentationml/2006/main">
+  <p:cSld>
+    <p:spTree>
+      <p:nvGrpSpPr>
+        <p:cNvPr id="1" name=""/>
+        <p:cNvGrpSpPr/>
+        <p:nvPr/>
+      </p:nvGrpSpPr>
+      <p:grpSpPr>
+        <a:xfrm>
+          <a:off x="0" y="0"/>
+          <a:ext cx="0" cy="0"/>
+          <a:chOff x="0" y="0"/>
+          <a:chExt cx="0" cy="0"/>
+        </a:xfrm>
+      </p:grpSpPr>
+      <p:pic>
+        <p:nvPicPr>
+          <p:cNvPr id="5" name="Picture 4">
+            <a:extLst>
+              <a:ext uri="{FF2B5EF4-FFF2-40B4-BE49-F238E27FC236}">
+                <a16:creationId xmlns:a16="http://schemas.microsoft.com/office/drawing/2014/main" id="{46CE42AC-EABC-42D4-A57E-3B45645F208B}"/>
+              </a:ext>
+            </a:extLst>
+          </p:cNvPr>
+          <p:cNvPicPr>
+            <a:picLocks noChangeAspect="1"/>
+          </p:cNvPicPr>
+          <p:nvPr/>
+        </p:nvPicPr>
+        <p:blipFill>
+          <a:blip r:embed="rId2"/>
+          <a:stretch>
+            <a:fillRect/>
+          </a:stretch>
+        </p:blipFill>
+        <p:spPr>
+          <a:xfrm>
+            <a:off x="-74428" y="0"/>
+            <a:ext cx="9218428" cy="5143500"/>
+          </a:xfrm>
+          <a:prstGeom prst="rect">
+            <a:avLst/>
+          </a:prstGeom>
+        </p:spPr>
+      </p:pic>
+    </p:spTree>
+    <p:extLst>
+      <p:ext uri="{BB962C8B-B14F-4D97-AF65-F5344CB8AC3E}">
+        <p14:creationId xmlns:p14="http://schemas.microsoft.com/office/powerpoint/2010/main" val="2018861947"/>
+      </p:ext>
+    </p:extLst>
   </p:cSld>
   <p:clrMapOvr>
     <a:masterClrMapping/>

--- a/Anomaly Detection Presentation.pptx
+++ b/Anomaly Detection Presentation.pptx
@@ -2172,7 +2172,7 @@
         </p:nvSpPr>
         <p:spPr>
           <a:xfrm>
-            <a:off x="381300" y="685800"/>
+            <a:off x="381000" y="685800"/>
             <a:ext cx="6096000" cy="3429000"/>
           </a:xfrm>
           <a:custGeom>
@@ -9231,7 +9231,7 @@
             <a:avLst/>
           </a:prstGeom>
           <a:solidFill>
-            <a:schemeClr val="lt1"/>
+            <a:srgbClr val="2C8B73"/>
           </a:solidFill>
           <a:ln w="9525" cap="flat" cmpd="sng">
             <a:solidFill>
@@ -9297,7 +9297,10 @@
               <a:buNone/>
             </a:pPr>
             <a:r>
-              <a:rPr lang="en" sz="3500">
+              <a:rPr lang="en" sz="3500" dirty="0">
+                <a:solidFill>
+                  <a:schemeClr val="bg1"/>
+                </a:solidFill>
                 <a:latin typeface="Georgia"/>
                 <a:ea typeface="Georgia"/>
                 <a:cs typeface="Georgia"/>
@@ -9305,7 +9308,10 @@
               </a:rPr>
               <a:t>Final Approach</a:t>
             </a:r>
-            <a:endParaRPr sz="3500">
+            <a:endParaRPr sz="3500" dirty="0">
+              <a:solidFill>
+                <a:schemeClr val="bg1"/>
+              </a:solidFill>
               <a:latin typeface="Georgia"/>
               <a:ea typeface="Georgia"/>
               <a:cs typeface="Georgia"/>
@@ -11179,7 +11185,7 @@
                 <a:cs typeface="Georgia"/>
                 <a:sym typeface="Georgia"/>
               </a:rPr>
-              <a:t>Use Cases: results-WeekDays</a:t>
+              <a:t>Use Cases: results-WeekEnd</a:t>
             </a:r>
             <a:endParaRPr sz="3500" dirty="0">
               <a:solidFill>
@@ -11373,7 +11379,7 @@
                 <a:cs typeface="Georgia"/>
                 <a:sym typeface="Georgia"/>
               </a:rPr>
-              <a:t>Use Cases: results-WeekDays</a:t>
+              <a:t>Use Cases: results-WeekEnd</a:t>
             </a:r>
             <a:endParaRPr sz="3500" dirty="0">
               <a:solidFill>
@@ -13101,15 +13107,15 @@
               <a:buNone/>
             </a:pPr>
             <a:r>
-              <a:rPr lang="en" sz="2800">
+              <a:rPr lang="en" sz="2800" dirty="0">
                 <a:latin typeface="Georgia"/>
                 <a:ea typeface="Georgia"/>
                 <a:cs typeface="Georgia"/>
                 <a:sym typeface="Georgia"/>
               </a:rPr>
-              <a:t>Conclusion </a:t>
+              <a:t>MOT Platform </a:t>
             </a:r>
-            <a:endParaRPr sz="2800">
+            <a:endParaRPr sz="2800" dirty="0">
               <a:latin typeface="Georgia"/>
               <a:ea typeface="Georgia"/>
               <a:cs typeface="Georgia"/>
